--- a/contact/teaching-statement/figure/intro.pptx
+++ b/contact/teaching-statement/figure/intro.pptx
@@ -243,7 +243,7 @@
           <a:p>
             <a:fld id="{931CC64E-7D87-FD4D-BB99-6ED1216BC4D5}" type="datetimeFigureOut">
               <a:rPr lang="en-US" smtClean="0"/>
-              <a:t>10/13/16</a:t>
+              <a:t>11/14/16</a:t>
             </a:fld>
             <a:endParaRPr lang="en-US"/>
           </a:p>
@@ -413,7 +413,7 @@
           <a:p>
             <a:fld id="{931CC64E-7D87-FD4D-BB99-6ED1216BC4D5}" type="datetimeFigureOut">
               <a:rPr lang="en-US" smtClean="0"/>
-              <a:t>10/13/16</a:t>
+              <a:t>11/14/16</a:t>
             </a:fld>
             <a:endParaRPr lang="en-US"/>
           </a:p>
@@ -593,7 +593,7 @@
           <a:p>
             <a:fld id="{931CC64E-7D87-FD4D-BB99-6ED1216BC4D5}" type="datetimeFigureOut">
               <a:rPr lang="en-US" smtClean="0"/>
-              <a:t>10/13/16</a:t>
+              <a:t>11/14/16</a:t>
             </a:fld>
             <a:endParaRPr lang="en-US"/>
           </a:p>
@@ -763,7 +763,7 @@
           <a:p>
             <a:fld id="{931CC64E-7D87-FD4D-BB99-6ED1216BC4D5}" type="datetimeFigureOut">
               <a:rPr lang="en-US" smtClean="0"/>
-              <a:t>10/13/16</a:t>
+              <a:t>11/14/16</a:t>
             </a:fld>
             <a:endParaRPr lang="en-US"/>
           </a:p>
@@ -1009,7 +1009,7 @@
           <a:p>
             <a:fld id="{931CC64E-7D87-FD4D-BB99-6ED1216BC4D5}" type="datetimeFigureOut">
               <a:rPr lang="en-US" smtClean="0"/>
-              <a:t>10/13/16</a:t>
+              <a:t>11/14/16</a:t>
             </a:fld>
             <a:endParaRPr lang="en-US"/>
           </a:p>
@@ -1241,7 +1241,7 @@
           <a:p>
             <a:fld id="{931CC64E-7D87-FD4D-BB99-6ED1216BC4D5}" type="datetimeFigureOut">
               <a:rPr lang="en-US" smtClean="0"/>
-              <a:t>10/13/16</a:t>
+              <a:t>11/14/16</a:t>
             </a:fld>
             <a:endParaRPr lang="en-US"/>
           </a:p>
@@ -1608,7 +1608,7 @@
           <a:p>
             <a:fld id="{931CC64E-7D87-FD4D-BB99-6ED1216BC4D5}" type="datetimeFigureOut">
               <a:rPr lang="en-US" smtClean="0"/>
-              <a:t>10/13/16</a:t>
+              <a:t>11/14/16</a:t>
             </a:fld>
             <a:endParaRPr lang="en-US"/>
           </a:p>
@@ -1726,7 +1726,7 @@
           <a:p>
             <a:fld id="{931CC64E-7D87-FD4D-BB99-6ED1216BC4D5}" type="datetimeFigureOut">
               <a:rPr lang="en-US" smtClean="0"/>
-              <a:t>10/13/16</a:t>
+              <a:t>11/14/16</a:t>
             </a:fld>
             <a:endParaRPr lang="en-US"/>
           </a:p>
@@ -1821,7 +1821,7 @@
           <a:p>
             <a:fld id="{931CC64E-7D87-FD4D-BB99-6ED1216BC4D5}" type="datetimeFigureOut">
               <a:rPr lang="en-US" smtClean="0"/>
-              <a:t>10/13/16</a:t>
+              <a:t>11/14/16</a:t>
             </a:fld>
             <a:endParaRPr lang="en-US"/>
           </a:p>
@@ -2098,7 +2098,7 @@
           <a:p>
             <a:fld id="{931CC64E-7D87-FD4D-BB99-6ED1216BC4D5}" type="datetimeFigureOut">
               <a:rPr lang="en-US" smtClean="0"/>
-              <a:t>10/13/16</a:t>
+              <a:t>11/14/16</a:t>
             </a:fld>
             <a:endParaRPr lang="en-US"/>
           </a:p>
@@ -2355,7 +2355,7 @@
           <a:p>
             <a:fld id="{931CC64E-7D87-FD4D-BB99-6ED1216BC4D5}" type="datetimeFigureOut">
               <a:rPr lang="en-US" smtClean="0"/>
-              <a:t>10/13/16</a:t>
+              <a:t>11/14/16</a:t>
             </a:fld>
             <a:endParaRPr lang="en-US"/>
           </a:p>
@@ -2568,7 +2568,7 @@
           <a:p>
             <a:fld id="{931CC64E-7D87-FD4D-BB99-6ED1216BC4D5}" type="datetimeFigureOut">
               <a:rPr lang="en-US" smtClean="0"/>
-              <a:t>10/13/16</a:t>
+              <a:t>11/14/16</a:t>
             </a:fld>
             <a:endParaRPr lang="en-US"/>
           </a:p>
@@ -2982,7 +2982,7 @@
           <p:nvPr>
             <p:extLst>
               <p:ext uri="{D42A27DB-BD31-4B8C-83A1-F6EECF244321}">
-                <p14:modId xmlns:p14="http://schemas.microsoft.com/office/powerpoint/2010/main" val="1228950165"/>
+                <p14:modId xmlns:p14="http://schemas.microsoft.com/office/powerpoint/2010/main" val="707358332"/>
               </p:ext>
             </p:extLst>
           </p:nvPr>
@@ -5346,7 +5346,7 @@
                         <a:defRPr/>
                       </a:pPr>
                       <a:r>
-                        <a:rPr lang="en-US" altLang="zh-CN" sz="1600" b="1" dirty="0" smtClean="0">
+                        <a:rPr lang="en-US" altLang="zh-CN" sz="1400" b="1" dirty="0" smtClean="0">
                           <a:solidFill>
                             <a:srgbClr val="C00000"/>
                           </a:solidFill>
@@ -5357,7 +5357,7 @@
                         <a:t>[L]</a:t>
                       </a:r>
                       <a:r>
-                        <a:rPr lang="zh-CN" altLang="en-US" sz="1600" b="1" dirty="0" smtClean="0">
+                        <a:rPr lang="zh-CN" altLang="en-US" sz="1400" b="1" dirty="0" smtClean="0">
                           <a:solidFill>
                             <a:srgbClr val="C00000"/>
                           </a:solidFill>
@@ -5368,7 +5368,7 @@
                         <a:t> </a:t>
                       </a:r>
                       <a:r>
-                        <a:rPr lang="en-US" altLang="zh-CN" sz="1600" dirty="0" smtClean="0">
+                        <a:rPr lang="en-US" altLang="zh-CN" sz="1400" dirty="0" smtClean="0">
                           <a:latin typeface="Times" charset="0"/>
                           <a:ea typeface="Times" charset="0"/>
                           <a:cs typeface="Times" charset="0"/>
@@ -5376,22 +5376,22 @@
                         <a:t>UIUC-CS598</a:t>
                       </a:r>
                       <a:r>
-                        <a:rPr lang="zh-CN" altLang="en-US" sz="1600" dirty="0" smtClean="0">
-                          <a:latin typeface="Times" charset="0"/>
-                          <a:ea typeface="Times" charset="0"/>
-                          <a:cs typeface="Times" charset="0"/>
-                        </a:rPr>
-                        <a:t> </a:t>
-                      </a:r>
-                      <a:r>
-                        <a:rPr lang="en-US" altLang="zh-CN" sz="1600" dirty="0" smtClean="0">
+                        <a:rPr lang="zh-CN" altLang="en-US" sz="1400" dirty="0" smtClean="0">
+                          <a:latin typeface="Times" charset="0"/>
+                          <a:ea typeface="Times" charset="0"/>
+                          <a:cs typeface="Times" charset="0"/>
+                        </a:rPr>
+                        <a:t> </a:t>
+                      </a:r>
+                      <a:r>
+                        <a:rPr lang="en-US" altLang="zh-CN" sz="1400" dirty="0" smtClean="0">
                           <a:latin typeface="Times" charset="0"/>
                           <a:ea typeface="Times" charset="0"/>
                           <a:cs typeface="Times" charset="0"/>
                         </a:rPr>
                         <a:t>“Advanced Topics in Information Retrieval”</a:t>
                       </a:r>
-                      <a:endParaRPr lang="zh-CN" altLang="en-US" sz="1600" dirty="0" smtClean="0">
+                      <a:endParaRPr lang="zh-CN" altLang="en-US" sz="1400" dirty="0" smtClean="0">
                         <a:latin typeface="Times" charset="0"/>
                         <a:ea typeface="Times" charset="0"/>
                         <a:cs typeface="Times" charset="0"/>
@@ -5416,7 +5416,7 @@
                         <a:defRPr/>
                       </a:pPr>
                       <a:r>
-                        <a:rPr lang="en-US" altLang="zh-CN" sz="1600" b="1" dirty="0" smtClean="0">
+                        <a:rPr lang="en-US" altLang="zh-CN" sz="1400" b="1" dirty="0" smtClean="0">
                           <a:solidFill>
                             <a:srgbClr val="C00000"/>
                           </a:solidFill>
@@ -5427,7 +5427,7 @@
                         <a:t>[L]</a:t>
                       </a:r>
                       <a:r>
-                        <a:rPr lang="zh-CN" altLang="en-US" sz="1600" b="1" dirty="0" smtClean="0">
+                        <a:rPr lang="zh-CN" altLang="en-US" sz="1400" b="1" dirty="0" smtClean="0">
                           <a:solidFill>
                             <a:srgbClr val="C00000"/>
                           </a:solidFill>
@@ -5438,7 +5438,7 @@
                         <a:t> </a:t>
                       </a:r>
                       <a:r>
-                        <a:rPr lang="en-US" altLang="zh-CN" sz="1600" dirty="0" smtClean="0">
+                        <a:rPr lang="en-US" altLang="zh-CN" sz="1400" dirty="0" smtClean="0">
                           <a:latin typeface="Times" charset="0"/>
                           <a:ea typeface="Times" charset="0"/>
                           <a:cs typeface="Times" charset="0"/>
@@ -5446,15 +5446,15 @@
                         <a:t>UIUC-CS512</a:t>
                       </a:r>
                       <a:r>
-                        <a:rPr lang="zh-CN" altLang="en-US" sz="1600" dirty="0" smtClean="0">
-                          <a:latin typeface="Times" charset="0"/>
-                          <a:ea typeface="Times" charset="0"/>
-                          <a:cs typeface="Times" charset="0"/>
-                        </a:rPr>
-                        <a:t> </a:t>
-                      </a:r>
-                      <a:r>
-                        <a:rPr lang="en-US" altLang="zh-CN" sz="1600" dirty="0" smtClean="0">
+                        <a:rPr lang="zh-CN" altLang="en-US" sz="1400" dirty="0" smtClean="0">
+                          <a:latin typeface="Times" charset="0"/>
+                          <a:ea typeface="Times" charset="0"/>
+                          <a:cs typeface="Times" charset="0"/>
+                        </a:rPr>
+                        <a:t> </a:t>
+                      </a:r>
+                      <a:r>
+                        <a:rPr lang="en-US" altLang="zh-CN" sz="1400" dirty="0" smtClean="0">
                           <a:latin typeface="Times" charset="0"/>
                           <a:ea typeface="Times" charset="0"/>
                           <a:cs typeface="Times" charset="0"/>
@@ -5462,15 +5462,15 @@
                         <a:t>“Data</a:t>
                       </a:r>
                       <a:r>
-                        <a:rPr lang="zh-CN" altLang="en-US" sz="1600" dirty="0" smtClean="0">
-                          <a:latin typeface="Times" charset="0"/>
-                          <a:ea typeface="Times" charset="0"/>
-                          <a:cs typeface="Times" charset="0"/>
-                        </a:rPr>
-                        <a:t> </a:t>
-                      </a:r>
-                      <a:r>
-                        <a:rPr lang="en-US" altLang="zh-CN" sz="1600" dirty="0" smtClean="0">
+                        <a:rPr lang="zh-CN" altLang="en-US" sz="1400" dirty="0" smtClean="0">
+                          <a:latin typeface="Times" charset="0"/>
+                          <a:ea typeface="Times" charset="0"/>
+                          <a:cs typeface="Times" charset="0"/>
+                        </a:rPr>
+                        <a:t> </a:t>
+                      </a:r>
+                      <a:r>
+                        <a:rPr lang="en-US" altLang="zh-CN" sz="1400" dirty="0" smtClean="0">
                           <a:latin typeface="Times" charset="0"/>
                           <a:ea typeface="Times" charset="0"/>
                           <a:cs typeface="Times" charset="0"/>
@@ -5478,15 +5478,15 @@
                         <a:t>Mining</a:t>
                       </a:r>
                       <a:r>
-                        <a:rPr lang="zh-CN" altLang="en-US" sz="1600" dirty="0" smtClean="0">
-                          <a:latin typeface="Times" charset="0"/>
-                          <a:ea typeface="Times" charset="0"/>
-                          <a:cs typeface="Times" charset="0"/>
-                        </a:rPr>
-                        <a:t> </a:t>
-                      </a:r>
-                      <a:r>
-                        <a:rPr lang="en-US" altLang="zh-CN" sz="1600" dirty="0" smtClean="0">
+                        <a:rPr lang="zh-CN" altLang="en-US" sz="1400" dirty="0" smtClean="0">
+                          <a:latin typeface="Times" charset="0"/>
+                          <a:ea typeface="Times" charset="0"/>
+                          <a:cs typeface="Times" charset="0"/>
+                        </a:rPr>
+                        <a:t> </a:t>
+                      </a:r>
+                      <a:r>
+                        <a:rPr lang="en-US" altLang="zh-CN" sz="1400" dirty="0" smtClean="0">
                           <a:latin typeface="Times" charset="0"/>
                           <a:ea typeface="Times" charset="0"/>
                           <a:cs typeface="Times" charset="0"/>
@@ -5494,15 +5494,15 @@
                         <a:t>Principles”</a:t>
                       </a:r>
                       <a:r>
-                        <a:rPr lang="zh-CN" altLang="en-US" sz="1600" dirty="0" smtClean="0">
-                          <a:latin typeface="Times" charset="0"/>
-                          <a:ea typeface="Times" charset="0"/>
-                          <a:cs typeface="Times" charset="0"/>
-                        </a:rPr>
-                        <a:t> </a:t>
-                      </a:r>
-                      <a:r>
-                        <a:rPr lang="en-US" altLang="zh-CN" sz="1600" dirty="0" smtClean="0">
+                        <a:rPr lang="zh-CN" altLang="en-US" sz="1400" dirty="0" smtClean="0">
+                          <a:latin typeface="Times" charset="0"/>
+                          <a:ea typeface="Times" charset="0"/>
+                          <a:cs typeface="Times" charset="0"/>
+                        </a:rPr>
+                        <a:t> </a:t>
+                      </a:r>
+                      <a:r>
+                        <a:rPr lang="en-US" altLang="zh-CN" sz="1400" dirty="0" smtClean="0">
                           <a:latin typeface="Times" charset="0"/>
                           <a:ea typeface="Times" charset="0"/>
                           <a:cs typeface="Times" charset="0"/>
@@ -5510,22 +5510,22 @@
                         <a:t>(course</a:t>
                       </a:r>
                       <a:r>
-                        <a:rPr lang="zh-CN" altLang="en-US" sz="1600" dirty="0" smtClean="0">
-                          <a:latin typeface="Times" charset="0"/>
-                          <a:ea typeface="Times" charset="0"/>
-                          <a:cs typeface="Times" charset="0"/>
-                        </a:rPr>
-                        <a:t> </a:t>
-                      </a:r>
-                      <a:r>
-                        <a:rPr lang="en-US" altLang="zh-CN" sz="1600" dirty="0" smtClean="0">
+                        <a:rPr lang="zh-CN" altLang="en-US" sz="1400" dirty="0" smtClean="0">
+                          <a:latin typeface="Times" charset="0"/>
+                          <a:ea typeface="Times" charset="0"/>
+                          <a:cs typeface="Times" charset="0"/>
+                        </a:rPr>
+                        <a:t> </a:t>
+                      </a:r>
+                      <a:r>
+                        <a:rPr lang="en-US" altLang="zh-CN" sz="1400" dirty="0" smtClean="0">
                           <a:latin typeface="Times" charset="0"/>
                           <a:ea typeface="Times" charset="0"/>
                           <a:cs typeface="Times" charset="0"/>
                         </a:rPr>
                         <a:t>projects)</a:t>
                       </a:r>
-                      <a:endParaRPr lang="zh-CN" altLang="en-US" sz="1600" dirty="0" smtClean="0">
+                      <a:endParaRPr lang="zh-CN" altLang="en-US" sz="1400" dirty="0" smtClean="0">
                         <a:latin typeface="Times" charset="0"/>
                         <a:ea typeface="Times" charset="0"/>
                         <a:cs typeface="Times" charset="0"/>
@@ -5533,7 +5533,7 @@
                     </a:p>
                     <a:p>
                       <a:r>
-                        <a:rPr lang="en-US" altLang="zh-CN" sz="1600" b="1" dirty="0" smtClean="0">
+                        <a:rPr lang="en-US" altLang="zh-CN" sz="1400" b="1" dirty="0" smtClean="0">
                           <a:solidFill>
                             <a:schemeClr val="accent5">
                               <a:lumMod val="50000"/>
@@ -5546,7 +5546,7 @@
                         <a:t>[R]</a:t>
                       </a:r>
                       <a:r>
-                        <a:rPr lang="zh-CN" altLang="en-US" sz="1600" b="1" dirty="0" smtClean="0">
+                        <a:rPr lang="zh-CN" altLang="en-US" sz="1400" b="1" dirty="0" smtClean="0">
                           <a:solidFill>
                             <a:schemeClr val="accent5">
                               <a:lumMod val="50000"/>
@@ -5559,55 +5559,47 @@
                         <a:t> </a:t>
                       </a:r>
                       <a:r>
-                        <a:rPr lang="en-US" altLang="zh-CN" sz="1600" dirty="0" smtClean="0">
-                          <a:latin typeface="Times" charset="0"/>
-                          <a:ea typeface="Times" charset="0"/>
-                          <a:cs typeface="Times" charset="0"/>
-                        </a:rPr>
-                        <a:t>ICDM’16</a:t>
-                      </a:r>
-                      <a:r>
-                        <a:rPr lang="zh-CN" altLang="en-US" sz="1600" dirty="0" smtClean="0">
-                          <a:latin typeface="Times" charset="0"/>
-                          <a:ea typeface="Times" charset="0"/>
-                          <a:cs typeface="Times" charset="0"/>
-                        </a:rPr>
-                        <a:t> </a:t>
-                      </a:r>
-                      <a:r>
-                        <a:rPr lang="en-US" altLang="zh-CN" sz="1600" dirty="0" smtClean="0">
-                          <a:latin typeface="Times" charset="0"/>
-                          <a:ea typeface="Times" charset="0"/>
-                          <a:cs typeface="Times" charset="0"/>
-                        </a:rPr>
-                        <a:t>paper</a:t>
-                      </a:r>
-                      <a:r>
-                        <a:rPr lang="zh-CN" altLang="en-US" sz="1600" baseline="0" dirty="0" smtClean="0">
-                          <a:latin typeface="Times" charset="0"/>
-                          <a:ea typeface="Times" charset="0"/>
-                          <a:cs typeface="Times" charset="0"/>
-                        </a:rPr>
-                        <a:t> </a:t>
-                      </a:r>
-                      <a:r>
-                        <a:rPr lang="en-US" altLang="zh-CN" sz="1600" baseline="0" dirty="0" smtClean="0">
-                          <a:latin typeface="Times" charset="0"/>
-                          <a:ea typeface="Times" charset="0"/>
-                          <a:cs typeface="Times" charset="0"/>
-                        </a:rPr>
-                        <a:t>with</a:t>
-                      </a:r>
-                      <a:r>
-                        <a:rPr lang="zh-CN" altLang="en-US" sz="1600" baseline="0" dirty="0" smtClean="0">
-                          <a:latin typeface="Times" charset="0"/>
-                          <a:ea typeface="Times" charset="0"/>
-                          <a:cs typeface="Times" charset="0"/>
-                        </a:rPr>
-                        <a:t> </a:t>
-                      </a:r>
-                      <a:r>
-                        <a:rPr lang="en-US" altLang="zh-CN" sz="1600" baseline="0" dirty="0" smtClean="0">
+                        <a:rPr lang="en-US" altLang="zh-CN" sz="1400" dirty="0" smtClean="0">
+                          <a:latin typeface="Times" charset="0"/>
+                          <a:ea typeface="Times" charset="0"/>
+                          <a:cs typeface="Times" charset="0"/>
+                        </a:rPr>
+                        <a:t>ICDM’16 and AAAI’17</a:t>
+                      </a:r>
+                      <a:r>
+                        <a:rPr lang="zh-CN" altLang="en-US" sz="1400" dirty="0" smtClean="0">
+                          <a:latin typeface="Times" charset="0"/>
+                          <a:ea typeface="Times" charset="0"/>
+                          <a:cs typeface="Times" charset="0"/>
+                        </a:rPr>
+                        <a:t> </a:t>
+                      </a:r>
+                      <a:r>
+                        <a:rPr lang="en-US" altLang="zh-CN" sz="1400" dirty="0" smtClean="0">
+                          <a:latin typeface="Times" charset="0"/>
+                          <a:ea typeface="Times" charset="0"/>
+                          <a:cs typeface="Times" charset="0"/>
+                        </a:rPr>
+                        <a:t>papers</a:t>
+                      </a:r>
+                      <a:r>
+                        <a:rPr lang="en-US" altLang="zh-CN" sz="1400" baseline="0" dirty="0" smtClean="0">
+                          <a:latin typeface="Times" charset="0"/>
+                          <a:ea typeface="Times" charset="0"/>
+                          <a:cs typeface="Times" charset="0"/>
+                        </a:rPr>
+                        <a:t> with</a:t>
+                      </a:r>
+                      <a:r>
+                        <a:rPr lang="zh-CN" altLang="en-US" sz="1400" baseline="0" dirty="0" smtClean="0">
+                          <a:latin typeface="Times" charset="0"/>
+                          <a:ea typeface="Times" charset="0"/>
+                          <a:cs typeface="Times" charset="0"/>
+                        </a:rPr>
+                        <a:t> </a:t>
+                      </a:r>
+                      <a:r>
+                        <a:rPr lang="en-US" altLang="zh-CN" sz="1400" baseline="0" dirty="0" smtClean="0">
                           <a:latin typeface="Times" charset="0"/>
                           <a:ea typeface="Times" charset="0"/>
                           <a:cs typeface="Times" charset="0"/>
@@ -5615,15 +5607,15 @@
                         <a:t>a</a:t>
                       </a:r>
                       <a:r>
-                        <a:rPr lang="zh-CN" altLang="en-US" sz="1600" baseline="0" dirty="0" smtClean="0">
-                          <a:latin typeface="Times" charset="0"/>
-                          <a:ea typeface="Times" charset="0"/>
-                          <a:cs typeface="Times" charset="0"/>
-                        </a:rPr>
-                        <a:t> </a:t>
-                      </a:r>
-                      <a:r>
-                        <a:rPr lang="en-US" altLang="zh-CN" sz="1600" baseline="0" dirty="0" smtClean="0">
+                        <a:rPr lang="zh-CN" altLang="en-US" sz="1400" baseline="0" dirty="0" smtClean="0">
+                          <a:latin typeface="Times" charset="0"/>
+                          <a:ea typeface="Times" charset="0"/>
+                          <a:cs typeface="Times" charset="0"/>
+                        </a:rPr>
+                        <a:t> </a:t>
+                      </a:r>
+                      <a:r>
+                        <a:rPr lang="en-US" altLang="zh-CN" sz="1400" baseline="0" dirty="0" smtClean="0">
                           <a:latin typeface="Times" charset="0"/>
                           <a:ea typeface="Times" charset="0"/>
                           <a:cs typeface="Times" charset="0"/>
@@ -5631,15 +5623,15 @@
                         <a:t>junior</a:t>
                       </a:r>
                       <a:r>
-                        <a:rPr lang="zh-CN" altLang="en-US" sz="1600" baseline="0" dirty="0" smtClean="0">
-                          <a:latin typeface="Times" charset="0"/>
-                          <a:ea typeface="Times" charset="0"/>
-                          <a:cs typeface="Times" charset="0"/>
-                        </a:rPr>
-                        <a:t> </a:t>
-                      </a:r>
-                      <a:r>
-                        <a:rPr lang="en-US" altLang="zh-CN" sz="1600" baseline="0" dirty="0" smtClean="0">
+                        <a:rPr lang="zh-CN" altLang="en-US" sz="1400" baseline="0" dirty="0" smtClean="0">
+                          <a:latin typeface="Times" charset="0"/>
+                          <a:ea typeface="Times" charset="0"/>
+                          <a:cs typeface="Times" charset="0"/>
+                        </a:rPr>
+                        <a:t> </a:t>
+                      </a:r>
+                      <a:r>
+                        <a:rPr lang="en-US" altLang="zh-CN" sz="1400" baseline="0" dirty="0" smtClean="0">
                           <a:latin typeface="Times" charset="0"/>
                           <a:ea typeface="Times" charset="0"/>
                           <a:cs typeface="Times" charset="0"/>
@@ -5647,22 +5639,22 @@
                         <a:t>Ph.</a:t>
                       </a:r>
                       <a:r>
-                        <a:rPr lang="zh-CN" altLang="en-US" sz="1600" baseline="0" dirty="0" smtClean="0">
-                          <a:latin typeface="Times" charset="0"/>
-                          <a:ea typeface="Times" charset="0"/>
-                          <a:cs typeface="Times" charset="0"/>
-                        </a:rPr>
-                        <a:t> </a:t>
-                      </a:r>
-                      <a:r>
-                        <a:rPr lang="en-US" altLang="zh-CN" sz="1600" baseline="0" dirty="0" smtClean="0">
+                        <a:rPr lang="zh-CN" altLang="en-US" sz="1400" baseline="0" dirty="0" smtClean="0">
+                          <a:latin typeface="Times" charset="0"/>
+                          <a:ea typeface="Times" charset="0"/>
+                          <a:cs typeface="Times" charset="0"/>
+                        </a:rPr>
+                        <a:t> </a:t>
+                      </a:r>
+                      <a:r>
+                        <a:rPr lang="en-US" altLang="zh-CN" sz="1400" baseline="0" dirty="0" smtClean="0">
                           <a:latin typeface="Times" charset="0"/>
                           <a:ea typeface="Times" charset="0"/>
                           <a:cs typeface="Times" charset="0"/>
                         </a:rPr>
                         <a:t>D.</a:t>
                       </a:r>
-                      <a:endParaRPr lang="zh-CN" altLang="en-US" sz="1600" baseline="0" dirty="0" smtClean="0">
+                      <a:endParaRPr lang="zh-CN" altLang="en-US" sz="1400" baseline="0" dirty="0" smtClean="0">
                         <a:latin typeface="Times" charset="0"/>
                         <a:ea typeface="Times" charset="0"/>
                         <a:cs typeface="Times" charset="0"/>
@@ -5670,7 +5662,7 @@
                     </a:p>
                     <a:p>
                       <a:r>
-                        <a:rPr lang="en-US" altLang="zh-CN" sz="1600" b="1" baseline="0" dirty="0" smtClean="0">
+                        <a:rPr lang="en-US" altLang="zh-CN" sz="1400" b="1" baseline="0" dirty="0" smtClean="0">
                           <a:solidFill>
                             <a:schemeClr val="accent5">
                               <a:lumMod val="50000"/>
@@ -5683,7 +5675,7 @@
                         <a:t>[R]</a:t>
                       </a:r>
                       <a:r>
-                        <a:rPr lang="zh-CN" altLang="en-US" sz="1600" b="1" baseline="0" dirty="0" smtClean="0">
+                        <a:rPr lang="zh-CN" altLang="en-US" sz="1400" b="1" baseline="0" dirty="0" smtClean="0">
                           <a:solidFill>
                             <a:schemeClr val="accent5">
                               <a:lumMod val="50000"/>
@@ -5696,39 +5688,23 @@
                         <a:t> </a:t>
                       </a:r>
                       <a:r>
-                        <a:rPr lang="en-US" altLang="zh-CN" sz="1600" baseline="0" dirty="0" smtClean="0">
-                          <a:latin typeface="Times" charset="0"/>
-                          <a:ea typeface="Times" charset="0"/>
-                          <a:cs typeface="Times" charset="0"/>
-                        </a:rPr>
-                        <a:t>WSDM’17</a:t>
-                      </a:r>
-                      <a:r>
-                        <a:rPr lang="zh-CN" altLang="en-US" sz="1600" baseline="0" dirty="0" smtClean="0">
-                          <a:latin typeface="Times" charset="0"/>
-                          <a:ea typeface="Times" charset="0"/>
-                          <a:cs typeface="Times" charset="0"/>
-                        </a:rPr>
-                        <a:t> </a:t>
-                      </a:r>
-                      <a:r>
-                        <a:rPr lang="en-US" altLang="zh-CN" sz="1600" baseline="0" dirty="0" smtClean="0">
-                          <a:latin typeface="Times" charset="0"/>
-                          <a:ea typeface="Times" charset="0"/>
-                          <a:cs typeface="Times" charset="0"/>
-                        </a:rPr>
-                        <a:t>submission</a:t>
-                      </a:r>
-                      <a:r>
-                        <a:rPr lang="zh-CN" altLang="en-US" sz="1600" baseline="0" dirty="0" smtClean="0">
-                          <a:latin typeface="Times" charset="0"/>
-                          <a:ea typeface="Times" charset="0"/>
-                          <a:cs typeface="Times" charset="0"/>
-                        </a:rPr>
-                        <a:t> </a:t>
-                      </a:r>
-                      <a:r>
-                        <a:rPr lang="en-US" altLang="zh-CN" sz="1600" baseline="0" dirty="0" smtClean="0">
+                        <a:rPr lang="en-US" altLang="zh-CN" sz="1400" baseline="0" dirty="0" smtClean="0">
+                          <a:latin typeface="Times" charset="0"/>
+                          <a:ea typeface="Times" charset="0"/>
+                          <a:cs typeface="Times" charset="0"/>
+                        </a:rPr>
+                        <a:t>SIGMOD’17 and TKDE submission</a:t>
+                      </a:r>
+                      <a:r>
+                        <a:rPr lang="zh-CN" altLang="en-US" sz="1400" baseline="0" dirty="0" smtClean="0">
+                          <a:latin typeface="Times" charset="0"/>
+                          <a:ea typeface="Times" charset="0"/>
+                          <a:cs typeface="Times" charset="0"/>
+                        </a:rPr>
+                        <a:t> </a:t>
+                      </a:r>
+                      <a:r>
+                        <a:rPr lang="en-US" altLang="zh-CN" sz="1400" baseline="0" dirty="0" smtClean="0">
                           <a:latin typeface="Times" charset="0"/>
                           <a:ea typeface="Times" charset="0"/>
                           <a:cs typeface="Times" charset="0"/>
@@ -5736,15 +5712,15 @@
                         <a:t>with</a:t>
                       </a:r>
                       <a:r>
-                        <a:rPr lang="zh-CN" altLang="en-US" sz="1600" baseline="0" dirty="0" smtClean="0">
-                          <a:latin typeface="Times" charset="0"/>
-                          <a:ea typeface="Times" charset="0"/>
-                          <a:cs typeface="Times" charset="0"/>
-                        </a:rPr>
-                        <a:t> </a:t>
-                      </a:r>
-                      <a:r>
-                        <a:rPr lang="en-US" altLang="zh-CN" sz="1600" baseline="0" dirty="0" smtClean="0">
+                        <a:rPr lang="zh-CN" altLang="en-US" sz="1400" baseline="0" dirty="0" smtClean="0">
+                          <a:latin typeface="Times" charset="0"/>
+                          <a:ea typeface="Times" charset="0"/>
+                          <a:cs typeface="Times" charset="0"/>
+                        </a:rPr>
+                        <a:t> </a:t>
+                      </a:r>
+                      <a:r>
+                        <a:rPr lang="en-US" altLang="zh-CN" sz="1400" baseline="0" dirty="0" smtClean="0">
                           <a:latin typeface="Times" charset="0"/>
                           <a:ea typeface="Times" charset="0"/>
                           <a:cs typeface="Times" charset="0"/>
@@ -5752,15 +5728,15 @@
                         <a:t>a</a:t>
                       </a:r>
                       <a:r>
-                        <a:rPr lang="zh-CN" altLang="en-US" sz="1600" baseline="0" dirty="0" smtClean="0">
-                          <a:latin typeface="Times" charset="0"/>
-                          <a:ea typeface="Times" charset="0"/>
-                          <a:cs typeface="Times" charset="0"/>
-                        </a:rPr>
-                        <a:t> </a:t>
-                      </a:r>
-                      <a:r>
-                        <a:rPr lang="en-US" altLang="zh-CN" sz="1600" baseline="0" dirty="0" smtClean="0">
+                        <a:rPr lang="zh-CN" altLang="en-US" sz="1400" baseline="0" dirty="0" smtClean="0">
+                          <a:latin typeface="Times" charset="0"/>
+                          <a:ea typeface="Times" charset="0"/>
+                          <a:cs typeface="Times" charset="0"/>
+                        </a:rPr>
+                        <a:t> </a:t>
+                      </a:r>
+                      <a:r>
+                        <a:rPr lang="en-US" altLang="zh-CN" sz="1400" baseline="0" dirty="0" smtClean="0">
                           <a:latin typeface="Times" charset="0"/>
                           <a:ea typeface="Times" charset="0"/>
                           <a:cs typeface="Times" charset="0"/>
@@ -5768,15 +5744,15 @@
                         <a:t>junior</a:t>
                       </a:r>
                       <a:r>
-                        <a:rPr lang="zh-CN" altLang="en-US" sz="1600" baseline="0" dirty="0" smtClean="0">
-                          <a:latin typeface="Times" charset="0"/>
-                          <a:ea typeface="Times" charset="0"/>
-                          <a:cs typeface="Times" charset="0"/>
-                        </a:rPr>
-                        <a:t> </a:t>
-                      </a:r>
-                      <a:r>
-                        <a:rPr lang="en-US" altLang="zh-CN" sz="1600" baseline="0" dirty="0" smtClean="0">
+                        <a:rPr lang="zh-CN" altLang="en-US" sz="1400" baseline="0" dirty="0" smtClean="0">
+                          <a:latin typeface="Times" charset="0"/>
+                          <a:ea typeface="Times" charset="0"/>
+                          <a:cs typeface="Times" charset="0"/>
+                        </a:rPr>
+                        <a:t> </a:t>
+                      </a:r>
+                      <a:r>
+                        <a:rPr lang="en-US" altLang="zh-CN" sz="1400" baseline="0" dirty="0" smtClean="0">
                           <a:latin typeface="Times" charset="0"/>
                           <a:ea typeface="Times" charset="0"/>
                           <a:cs typeface="Times" charset="0"/>
@@ -5784,22 +5760,22 @@
                         <a:t>Ph.D.</a:t>
                       </a:r>
                       <a:r>
-                        <a:rPr lang="zh-CN" altLang="en-US" sz="1600" baseline="0" dirty="0" smtClean="0">
-                          <a:latin typeface="Times" charset="0"/>
-                          <a:ea typeface="Times" charset="0"/>
-                          <a:cs typeface="Times" charset="0"/>
-                        </a:rPr>
-                        <a:t> </a:t>
-                      </a:r>
-                      <a:r>
-                        <a:rPr lang="en-US" altLang="zh-CN" sz="1600" baseline="0" dirty="0" smtClean="0">
+                        <a:rPr lang="zh-CN" altLang="en-US" sz="1400" baseline="0" dirty="0" smtClean="0">
+                          <a:latin typeface="Times" charset="0"/>
+                          <a:ea typeface="Times" charset="0"/>
+                          <a:cs typeface="Times" charset="0"/>
+                        </a:rPr>
+                        <a:t> </a:t>
+                      </a:r>
+                      <a:r>
+                        <a:rPr lang="en-US" altLang="zh-CN" sz="1400" baseline="0" dirty="0" smtClean="0">
                           <a:latin typeface="Times" charset="0"/>
                           <a:ea typeface="Times" charset="0"/>
                           <a:cs typeface="Times" charset="0"/>
                         </a:rPr>
                         <a:t>student</a:t>
                       </a:r>
-                      <a:endParaRPr lang="zh-CN" altLang="en-US" sz="1600" baseline="0" dirty="0" smtClean="0">
+                      <a:endParaRPr lang="zh-CN" altLang="en-US" sz="1400" baseline="0" dirty="0" smtClean="0">
                         <a:latin typeface="Times" charset="0"/>
                         <a:ea typeface="Times" charset="0"/>
                         <a:cs typeface="Times" charset="0"/>
@@ -6229,7 +6205,7 @@
                           <a:ea typeface="Times" charset="0"/>
                           <a:cs typeface="Times" charset="0"/>
                         </a:rPr>
-                        <a:t>3.5-hour</a:t>
+                        <a:t>3-hour</a:t>
                       </a:r>
                       <a:r>
                         <a:rPr lang="zh-CN" altLang="en-US" sz="1600" baseline="0" dirty="0" smtClean="0">
@@ -6806,12 +6782,36 @@
               <a:t> </a:t>
             </a:r>
             <a:r>
+              <a:rPr lang="en-US" altLang="zh-CN" sz="1600" dirty="0" smtClean="0">
+                <a:latin typeface="Times" charset="0"/>
+                <a:ea typeface="Times" charset="0"/>
+                <a:cs typeface="Times" charset="0"/>
+              </a:rPr>
+              <a:t>writer   </a:t>
+            </a:r>
+            <a:r>
+              <a:rPr lang="en-US" altLang="zh-CN" sz="1600" dirty="0" smtClean="0">
+                <a:latin typeface="Times" charset="0"/>
+                <a:ea typeface="Times" charset="0"/>
+                <a:cs typeface="Times" charset="0"/>
+              </a:rPr>
+              <a:t>(</a:t>
+            </a:r>
+            <a:r>
               <a:rPr lang="en-US" altLang="zh-CN" sz="1600" dirty="0">
                 <a:latin typeface="Times" charset="0"/>
                 <a:ea typeface="Times" charset="0"/>
                 <a:cs typeface="Times" charset="0"/>
               </a:rPr>
-              <a:t>writer</a:t>
+              <a:t>X</a:t>
+            </a:r>
+            <a:r>
+              <a:rPr lang="en-US" altLang="zh-CN" sz="1600" dirty="0" smtClean="0">
+                <a:latin typeface="Times" charset="0"/>
+                <a:ea typeface="Times" charset="0"/>
+                <a:cs typeface="Times" charset="0"/>
+              </a:rPr>
+              <a:t>+): number of audience</a:t>
             </a:r>
             <a:endParaRPr lang="en-US" sz="1600" dirty="0">
               <a:latin typeface="Times" charset="0"/>
